--- a/presentations/band/Holhos_Attila/Holhós Attila.pptx
+++ b/presentations/band/Holhos_Attila/Holhós Attila.pptx
@@ -5,7 +5,7 @@
     <p:sldMasterId id="2147483660" r:id="rId4"/>
   </p:sldMasterIdLst>
   <p:notesMasterIdLst>
-    <p:notesMasterId r:id="rId13"/>
+    <p:notesMasterId r:id="rId12"/>
   </p:notesMasterIdLst>
   <p:sldIdLst>
     <p:sldId id="257" r:id="rId5"/>
@@ -14,8 +14,7 @@
     <p:sldId id="260" r:id="rId8"/>
     <p:sldId id="261" r:id="rId9"/>
     <p:sldId id="262" r:id="rId10"/>
-    <p:sldId id="263" r:id="rId11"/>
-    <p:sldId id="258" r:id="rId12"/>
+    <p:sldId id="258" r:id="rId11"/>
   </p:sldIdLst>
   <p:sldSz cx="9144000" cy="5143500" type="screen16x9"/>
   <p:notesSz cx="6858000" cy="9144000"/>
@@ -116,7 +115,7 @@
   </p:defaultTextStyle>
   <p:extLst>
     <p:ext uri="{EFAFB233-063F-42B5-8137-9DF3F51BA10A}">
-      <p15:sldGuideLst xmlns:p15="http://schemas.microsoft.com/office/powerpoint/2012/main" xmlns="">
+      <p15:sldGuideLst xmlns="" xmlns:p15="http://schemas.microsoft.com/office/powerpoint/2012/main">
         <p15:guide id="1" orient="horz" pos="1620">
           <p15:clr>
             <a:srgbClr val="A4A3A4"/>
@@ -215,7 +214,8 @@
           <a:p>
             <a:fld id="{76F4F0D6-17B4-4830-A63D-4128D6D42B3A}" type="datetimeFigureOut">
               <a:rPr lang="hu-HU" smtClean="0"/>
-              <a:t>2016.09.30.</a:t>
+              <a:pPr/>
+              <a:t>2016.10.05.</a:t>
             </a:fld>
             <a:endParaRPr lang="hu-HU"/>
           </a:p>
@@ -376,6 +376,7 @@
           <a:p>
             <a:fld id="{C2F3EFDE-176C-4065-B24F-9EC1EF277BF6}" type="slidenum">
               <a:rPr lang="hu-HU" smtClean="0"/>
+              <a:pPr/>
               <a:t>‹#›</a:t>
             </a:fld>
             <a:endParaRPr lang="hu-HU"/>
@@ -547,6 +548,7 @@
           <a:p>
             <a:fld id="{C2F3EFDE-176C-4065-B24F-9EC1EF277BF6}" type="slidenum">
               <a:rPr lang="hu-HU" smtClean="0"/>
+              <a:pPr/>
               <a:t>2</a:t>
             </a:fld>
             <a:endParaRPr lang="hu-HU"/>
@@ -642,6 +644,7 @@
           <a:p>
             <a:fld id="{C2F3EFDE-176C-4065-B24F-9EC1EF277BF6}" type="slidenum">
               <a:rPr lang="hu-HU" smtClean="0"/>
+              <a:pPr/>
               <a:t>3</a:t>
             </a:fld>
             <a:endParaRPr lang="hu-HU"/>
@@ -807,6 +810,7 @@
           <a:p>
             <a:fld id="{C2F3EFDE-176C-4065-B24F-9EC1EF277BF6}" type="slidenum">
               <a:rPr lang="hu-HU" smtClean="0"/>
+              <a:pPr/>
               <a:t>4</a:t>
             </a:fld>
             <a:endParaRPr lang="hu-HU"/>
@@ -933,6 +937,7 @@
           <a:p>
             <a:fld id="{C2F3EFDE-176C-4065-B24F-9EC1EF277BF6}" type="slidenum">
               <a:rPr lang="hu-HU" smtClean="0"/>
+              <a:pPr/>
               <a:t>5</a:t>
             </a:fld>
             <a:endParaRPr lang="hu-HU"/>
@@ -1028,106 +1033,8 @@
           <a:p>
             <a:fld id="{C2F3EFDE-176C-4065-B24F-9EC1EF277BF6}" type="slidenum">
               <a:rPr lang="hu-HU" smtClean="0"/>
+              <a:pPr/>
               <a:t>6</a:t>
-            </a:fld>
-            <a:endParaRPr lang="hu-HU"/>
-          </a:p>
-        </p:txBody>
-      </p:sp>
-    </p:spTree>
-  </p:cSld>
-  <p:clrMapOvr>
-    <a:masterClrMapping/>
-  </p:clrMapOvr>
-</p:notes>
-</file>
-
-<file path=ppt/notesSlides/notesSlide6.xml><?xml version="1.0" encoding="utf-8"?>
-<p:notes xmlns:a="http://schemas.openxmlformats.org/drawingml/2006/main" xmlns:r="http://schemas.openxmlformats.org/officeDocument/2006/relationships" xmlns:p="http://schemas.openxmlformats.org/presentationml/2006/main">
-  <p:cSld>
-    <p:spTree>
-      <p:nvGrpSpPr>
-        <p:cNvPr id="1" name=""/>
-        <p:cNvGrpSpPr/>
-        <p:nvPr/>
-      </p:nvGrpSpPr>
-      <p:grpSpPr>
-        <a:xfrm>
-          <a:off x="0" y="0"/>
-          <a:ext cx="0" cy="0"/>
-          <a:chOff x="0" y="0"/>
-          <a:chExt cx="0" cy="0"/>
-        </a:xfrm>
-      </p:grpSpPr>
-      <p:sp>
-        <p:nvSpPr>
-          <p:cNvPr id="2" name="Diakép helye 1"/>
-          <p:cNvSpPr>
-            <a:spLocks noGrp="1" noRot="1" noChangeAspect="1"/>
-          </p:cNvSpPr>
-          <p:nvPr>
-            <p:ph type="sldImg"/>
-          </p:nvPr>
-        </p:nvSpPr>
-        <p:spPr/>
-      </p:sp>
-      <p:sp>
-        <p:nvSpPr>
-          <p:cNvPr id="3" name="Jegyzetek helye 2"/>
-          <p:cNvSpPr>
-            <a:spLocks noGrp="1"/>
-          </p:cNvSpPr>
-          <p:nvPr>
-            <p:ph type="body" idx="1"/>
-          </p:nvPr>
-        </p:nvSpPr>
-        <p:spPr/>
-        <p:txBody>
-          <a:bodyPr>
-            <a:normAutofit/>
-          </a:bodyPr>
-          <a:lstStyle/>
-          <a:p>
-            <a:r>
-              <a:rPr lang="hu-HU" baseline="0" dirty="0" smtClean="0"/>
-              <a:t> - A naptárban egy olyan </a:t>
-            </a:r>
-            <a:r>
-              <a:rPr lang="hu-HU" baseline="0" dirty="0" err="1" smtClean="0"/>
-              <a:t>feature-t</a:t>
-            </a:r>
-            <a:r>
-              <a:rPr lang="hu-HU" baseline="0" dirty="0" smtClean="0"/>
-              <a:t> jó lenne megvalósítani, hogy egy eseménnyel rendelkező nap kis kockájában egy kis képecske jelenjen meg, ami az eseményhez tartózó plakát vagy logó lenne.</a:t>
-            </a:r>
-          </a:p>
-          <a:p>
-            <a:r>
-              <a:rPr lang="hu-HU" baseline="0" dirty="0" smtClean="0"/>
-              <a:t> - Ha egy zenekarnak 3-4 napon belül valahol fellépése vagy jelenése lesz, akkor a zenekar tulajdonosát egy e-mail értesítőn keresztül tájékoztassuk erről.</a:t>
-            </a:r>
-            <a:endParaRPr lang="hu-HU" dirty="0"/>
-          </a:p>
-        </p:txBody>
-      </p:sp>
-      <p:sp>
-        <p:nvSpPr>
-          <p:cNvPr id="4" name="Dia számának helye 3"/>
-          <p:cNvSpPr>
-            <a:spLocks noGrp="1"/>
-          </p:cNvSpPr>
-          <p:nvPr>
-            <p:ph type="sldNum" sz="quarter" idx="10"/>
-          </p:nvPr>
-        </p:nvSpPr>
-        <p:spPr/>
-        <p:txBody>
-          <a:bodyPr/>
-          <a:lstStyle/>
-          <a:p>
-            <a:fld id="{C2F3EFDE-176C-4065-B24F-9EC1EF277BF6}" type="slidenum">
-              <a:rPr lang="hu-HU" smtClean="0"/>
-              <a:t>7</a:t>
             </a:fld>
             <a:endParaRPr lang="hu-HU"/>
           </a:p>
@@ -1273,7 +1180,7 @@
             <a:fld id="{C6E8B002-83F0-41C5-A7B7-2819A96BD9B2}" type="datetimeFigureOut">
               <a:rPr lang="hu-HU" smtClean="0"/>
               <a:pPr/>
-              <a:t>2016.09.30.</a:t>
+              <a:t>2016.10.05.</a:t>
             </a:fld>
             <a:endParaRPr lang="hu-HU"/>
           </a:p>
@@ -1325,7 +1232,7 @@
     </p:spTree>
     <p:extLst>
       <p:ext uri="{BB962C8B-B14F-4D97-AF65-F5344CB8AC3E}">
-        <p14:creationId xmlns="" xmlns:p14="http://schemas.microsoft.com/office/powerpoint/2010/main" val="4024426608"/>
+        <p14:creationId xmlns:p14="http://schemas.microsoft.com/office/powerpoint/2010/main" xmlns="" val="4024426608"/>
       </p:ext>
     </p:extLst>
   </p:cSld>
@@ -1445,7 +1352,7 @@
             <a:fld id="{C6E8B002-83F0-41C5-A7B7-2819A96BD9B2}" type="datetimeFigureOut">
               <a:rPr lang="hu-HU" smtClean="0"/>
               <a:pPr/>
-              <a:t>2016.09.30.</a:t>
+              <a:t>2016.10.05.</a:t>
             </a:fld>
             <a:endParaRPr lang="hu-HU"/>
           </a:p>
@@ -1497,7 +1404,7 @@
     </p:spTree>
     <p:extLst>
       <p:ext uri="{BB962C8B-B14F-4D97-AF65-F5344CB8AC3E}">
-        <p14:creationId xmlns="" xmlns:p14="http://schemas.microsoft.com/office/powerpoint/2010/main" val="2278669477"/>
+        <p14:creationId xmlns:p14="http://schemas.microsoft.com/office/powerpoint/2010/main" xmlns="" val="2278669477"/>
       </p:ext>
     </p:extLst>
   </p:cSld>
@@ -1627,7 +1534,7 @@
             <a:fld id="{C6E8B002-83F0-41C5-A7B7-2819A96BD9B2}" type="datetimeFigureOut">
               <a:rPr lang="hu-HU" smtClean="0"/>
               <a:pPr/>
-              <a:t>2016.09.30.</a:t>
+              <a:t>2016.10.05.</a:t>
             </a:fld>
             <a:endParaRPr lang="hu-HU"/>
           </a:p>
@@ -1679,7 +1586,7 @@
     </p:spTree>
     <p:extLst>
       <p:ext uri="{BB962C8B-B14F-4D97-AF65-F5344CB8AC3E}">
-        <p14:creationId xmlns="" xmlns:p14="http://schemas.microsoft.com/office/powerpoint/2010/main" val="1230374094"/>
+        <p14:creationId xmlns:p14="http://schemas.microsoft.com/office/powerpoint/2010/main" xmlns="" val="1230374094"/>
       </p:ext>
     </p:extLst>
   </p:cSld>
@@ -1799,7 +1706,7 @@
             <a:fld id="{C6E8B002-83F0-41C5-A7B7-2819A96BD9B2}" type="datetimeFigureOut">
               <a:rPr lang="hu-HU" smtClean="0"/>
               <a:pPr/>
-              <a:t>2016.09.30.</a:t>
+              <a:t>2016.10.05.</a:t>
             </a:fld>
             <a:endParaRPr lang="hu-HU"/>
           </a:p>
@@ -1851,7 +1758,7 @@
     </p:spTree>
     <p:extLst>
       <p:ext uri="{BB962C8B-B14F-4D97-AF65-F5344CB8AC3E}">
-        <p14:creationId xmlns="" xmlns:p14="http://schemas.microsoft.com/office/powerpoint/2010/main" val="258263725"/>
+        <p14:creationId xmlns:p14="http://schemas.microsoft.com/office/powerpoint/2010/main" xmlns="" val="258263725"/>
       </p:ext>
     </p:extLst>
   </p:cSld>
@@ -2045,7 +1952,7 @@
             <a:fld id="{C6E8B002-83F0-41C5-A7B7-2819A96BD9B2}" type="datetimeFigureOut">
               <a:rPr lang="hu-HU" smtClean="0"/>
               <a:pPr/>
-              <a:t>2016.09.30.</a:t>
+              <a:t>2016.10.05.</a:t>
             </a:fld>
             <a:endParaRPr lang="hu-HU"/>
           </a:p>
@@ -2097,7 +2004,7 @@
     </p:spTree>
     <p:extLst>
       <p:ext uri="{BB962C8B-B14F-4D97-AF65-F5344CB8AC3E}">
-        <p14:creationId xmlns="" xmlns:p14="http://schemas.microsoft.com/office/powerpoint/2010/main" val="1553284866"/>
+        <p14:creationId xmlns:p14="http://schemas.microsoft.com/office/powerpoint/2010/main" xmlns="" val="1553284866"/>
       </p:ext>
     </p:extLst>
   </p:cSld>
@@ -2279,7 +2186,7 @@
             <a:fld id="{C6E8B002-83F0-41C5-A7B7-2819A96BD9B2}" type="datetimeFigureOut">
               <a:rPr lang="hu-HU" smtClean="0"/>
               <a:pPr/>
-              <a:t>2016.09.30.</a:t>
+              <a:t>2016.10.05.</a:t>
             </a:fld>
             <a:endParaRPr lang="hu-HU"/>
           </a:p>
@@ -2331,7 +2238,7 @@
     </p:spTree>
     <p:extLst>
       <p:ext uri="{BB962C8B-B14F-4D97-AF65-F5344CB8AC3E}">
-        <p14:creationId xmlns="" xmlns:p14="http://schemas.microsoft.com/office/powerpoint/2010/main" val="4154606885"/>
+        <p14:creationId xmlns:p14="http://schemas.microsoft.com/office/powerpoint/2010/main" xmlns="" val="4154606885"/>
       </p:ext>
     </p:extLst>
   </p:cSld>
@@ -2648,7 +2555,7 @@
             <a:fld id="{C6E8B002-83F0-41C5-A7B7-2819A96BD9B2}" type="datetimeFigureOut">
               <a:rPr lang="hu-HU" smtClean="0"/>
               <a:pPr/>
-              <a:t>2016.09.30.</a:t>
+              <a:t>2016.10.05.</a:t>
             </a:fld>
             <a:endParaRPr lang="hu-HU"/>
           </a:p>
@@ -2700,7 +2607,7 @@
     </p:spTree>
     <p:extLst>
       <p:ext uri="{BB962C8B-B14F-4D97-AF65-F5344CB8AC3E}">
-        <p14:creationId xmlns="" xmlns:p14="http://schemas.microsoft.com/office/powerpoint/2010/main" val="352643938"/>
+        <p14:creationId xmlns:p14="http://schemas.microsoft.com/office/powerpoint/2010/main" xmlns="" val="352643938"/>
       </p:ext>
     </p:extLst>
   </p:cSld>
@@ -2768,7 +2675,7 @@
             <a:fld id="{C6E8B002-83F0-41C5-A7B7-2819A96BD9B2}" type="datetimeFigureOut">
               <a:rPr lang="hu-HU" smtClean="0"/>
               <a:pPr/>
-              <a:t>2016.09.30.</a:t>
+              <a:t>2016.10.05.</a:t>
             </a:fld>
             <a:endParaRPr lang="hu-HU"/>
           </a:p>
@@ -2820,7 +2727,7 @@
     </p:spTree>
     <p:extLst>
       <p:ext uri="{BB962C8B-B14F-4D97-AF65-F5344CB8AC3E}">
-        <p14:creationId xmlns="" xmlns:p14="http://schemas.microsoft.com/office/powerpoint/2010/main" val="755990450"/>
+        <p14:creationId xmlns:p14="http://schemas.microsoft.com/office/powerpoint/2010/main" xmlns="" val="755990450"/>
       </p:ext>
     </p:extLst>
   </p:cSld>
@@ -2865,7 +2772,7 @@
             <a:fld id="{C6E8B002-83F0-41C5-A7B7-2819A96BD9B2}" type="datetimeFigureOut">
               <a:rPr lang="hu-HU" smtClean="0"/>
               <a:pPr/>
-              <a:t>2016.09.30.</a:t>
+              <a:t>2016.10.05.</a:t>
             </a:fld>
             <a:endParaRPr lang="hu-HU"/>
           </a:p>
@@ -2917,7 +2824,7 @@
     </p:spTree>
     <p:extLst>
       <p:ext uri="{BB962C8B-B14F-4D97-AF65-F5344CB8AC3E}">
-        <p14:creationId xmlns="" xmlns:p14="http://schemas.microsoft.com/office/powerpoint/2010/main" val="631435743"/>
+        <p14:creationId xmlns:p14="http://schemas.microsoft.com/office/powerpoint/2010/main" xmlns="" val="631435743"/>
       </p:ext>
     </p:extLst>
   </p:cSld>
@@ -3144,7 +3051,7 @@
             <a:fld id="{C6E8B002-83F0-41C5-A7B7-2819A96BD9B2}" type="datetimeFigureOut">
               <a:rPr lang="hu-HU" smtClean="0"/>
               <a:pPr/>
-              <a:t>2016.09.30.</a:t>
+              <a:t>2016.10.05.</a:t>
             </a:fld>
             <a:endParaRPr lang="hu-HU"/>
           </a:p>
@@ -3196,7 +3103,7 @@
     </p:spTree>
     <p:extLst>
       <p:ext uri="{BB962C8B-B14F-4D97-AF65-F5344CB8AC3E}">
-        <p14:creationId xmlns="" xmlns:p14="http://schemas.microsoft.com/office/powerpoint/2010/main" val="1098823887"/>
+        <p14:creationId xmlns:p14="http://schemas.microsoft.com/office/powerpoint/2010/main" xmlns="" val="1098823887"/>
       </p:ext>
     </p:extLst>
   </p:cSld>
@@ -3403,7 +3310,7 @@
             <a:fld id="{C6E8B002-83F0-41C5-A7B7-2819A96BD9B2}" type="datetimeFigureOut">
               <a:rPr lang="hu-HU" smtClean="0"/>
               <a:pPr/>
-              <a:t>2016.09.30.</a:t>
+              <a:t>2016.10.05.</a:t>
             </a:fld>
             <a:endParaRPr lang="hu-HU"/>
           </a:p>
@@ -3455,7 +3362,7 @@
     </p:spTree>
     <p:extLst>
       <p:ext uri="{BB962C8B-B14F-4D97-AF65-F5344CB8AC3E}">
-        <p14:creationId xmlns="" xmlns:p14="http://schemas.microsoft.com/office/powerpoint/2010/main" val="3373525127"/>
+        <p14:creationId xmlns:p14="http://schemas.microsoft.com/office/powerpoint/2010/main" xmlns="" val="3373525127"/>
       </p:ext>
     </p:extLst>
   </p:cSld>
@@ -3625,7 +3532,7 @@
             <a:fld id="{C6E8B002-83F0-41C5-A7B7-2819A96BD9B2}" type="datetimeFigureOut">
               <a:rPr lang="hu-HU" smtClean="0"/>
               <a:pPr/>
-              <a:t>2016.09.30.</a:t>
+              <a:t>2016.10.05.</a:t>
             </a:fld>
             <a:endParaRPr lang="hu-HU"/>
           </a:p>
@@ -3713,7 +3620,7 @@
     </p:spTree>
     <p:extLst>
       <p:ext uri="{BB962C8B-B14F-4D97-AF65-F5344CB8AC3E}">
-        <p14:creationId xmlns="" xmlns:p14="http://schemas.microsoft.com/office/powerpoint/2010/main" val="3779397563"/>
+        <p14:creationId xmlns:p14="http://schemas.microsoft.com/office/powerpoint/2010/main" xmlns="" val="3779397563"/>
       </p:ext>
     </p:extLst>
   </p:cSld>
@@ -4083,7 +3990,7 @@
     </p:spTree>
     <p:extLst>
       <p:ext uri="{BB962C8B-B14F-4D97-AF65-F5344CB8AC3E}">
-        <p14:creationId xmlns="" xmlns:p14="http://schemas.microsoft.com/office/powerpoint/2010/main" val="3145726277"/>
+        <p14:creationId xmlns:p14="http://schemas.microsoft.com/office/powerpoint/2010/main" xmlns="" val="3145726277"/>
       </p:ext>
     </p:extLst>
   </p:cSld>
@@ -4234,7 +4141,7 @@
     </p:spTree>
     <p:extLst>
       <p:ext uri="{BB962C8B-B14F-4D97-AF65-F5344CB8AC3E}">
-        <p14:creationId xmlns="" xmlns:p14="http://schemas.microsoft.com/office/powerpoint/2010/main" val="1869678207"/>
+        <p14:creationId xmlns:p14="http://schemas.microsoft.com/office/powerpoint/2010/main" xmlns="" val="1869678207"/>
       </p:ext>
     </p:extLst>
   </p:cSld>
@@ -4318,7 +4225,17 @@
           <a:p>
             <a:r>
               <a:rPr lang="hu-HU" dirty="0" smtClean="0"/>
-              <a:t>Publikus profil</a:t>
+              <a:t>Regisztrációs oldal</a:t>
+            </a:r>
+          </a:p>
+          <a:p>
+            <a:r>
+              <a:rPr lang="hu-HU" dirty="0" smtClean="0"/>
+              <a:t>Publikus </a:t>
+            </a:r>
+            <a:r>
+              <a:rPr lang="hu-HU" dirty="0" smtClean="0"/>
+              <a:t>profil</a:t>
             </a:r>
           </a:p>
           <a:p>
@@ -4615,6 +4532,54 @@
           </a:p>
         </p:txBody>
       </p:sp>
+      <p:pic>
+        <p:nvPicPr>
+          <p:cNvPr id="4" name="Kép 3" descr="HTML5_Logo_512.png"/>
+          <p:cNvPicPr>
+            <a:picLocks noChangeAspect="1"/>
+          </p:cNvPicPr>
+          <p:nvPr/>
+        </p:nvPicPr>
+        <p:blipFill>
+          <a:blip r:embed="rId3"/>
+          <a:stretch>
+            <a:fillRect/>
+          </a:stretch>
+        </p:blipFill>
+        <p:spPr>
+          <a:xfrm>
+            <a:off x="5357446" y="2372456"/>
+            <a:ext cx="2121877" cy="2121877"/>
+          </a:xfrm>
+          <a:prstGeom prst="rect">
+            <a:avLst/>
+          </a:prstGeom>
+        </p:spPr>
+      </p:pic>
+      <p:pic>
+        <p:nvPicPr>
+          <p:cNvPr id="5" name="Kép 4" descr="primefaces_logo-320x240.png"/>
+          <p:cNvPicPr>
+            <a:picLocks noChangeAspect="1"/>
+          </p:cNvPicPr>
+          <p:nvPr/>
+        </p:nvPicPr>
+        <p:blipFill>
+          <a:blip r:embed="rId4"/>
+          <a:stretch>
+            <a:fillRect/>
+          </a:stretch>
+        </p:blipFill>
+        <p:spPr>
+          <a:xfrm>
+            <a:off x="1861760" y="2711155"/>
+            <a:ext cx="2100641" cy="1575481"/>
+          </a:xfrm>
+          <a:prstGeom prst="rect">
+            <a:avLst/>
+          </a:prstGeom>
+        </p:spPr>
+      </p:pic>
     </p:spTree>
   </p:cSld>
   <p:clrMapOvr>
@@ -4690,7 +4655,11 @@
           <a:p>
             <a:r>
               <a:rPr lang="hu-HU" dirty="0" smtClean="0"/>
-              <a:t>Adatbázis és Service szinten dolgozni</a:t>
+              <a:t>Adatbázis </a:t>
+            </a:r>
+            <a:r>
+              <a:rPr lang="hu-HU" dirty="0" smtClean="0"/>
+              <a:t>és Service szinten dolgozni</a:t>
             </a:r>
           </a:p>
           <a:p>
@@ -4706,7 +4675,17 @@
           <a:p>
             <a:r>
               <a:rPr lang="hu-HU" dirty="0" smtClean="0"/>
-              <a:t>Közös kódolás</a:t>
+              <a:t>Közös </a:t>
+            </a:r>
+            <a:r>
+              <a:rPr lang="hu-HU" dirty="0" smtClean="0"/>
+              <a:t>kódolás</a:t>
+            </a:r>
+          </a:p>
+          <a:p>
+            <a:r>
+              <a:rPr lang="hu-HU" dirty="0" smtClean="0"/>
+              <a:t>Egy kis többnyelvűség</a:t>
             </a:r>
             <a:endParaRPr lang="hu-HU" dirty="0"/>
           </a:p>
@@ -4721,109 +4700,6 @@
 </file>
 
 <file path=ppt/slides/slide7.xml><?xml version="1.0" encoding="utf-8"?>
-<p:sld xmlns:a="http://schemas.openxmlformats.org/drawingml/2006/main" xmlns:r="http://schemas.openxmlformats.org/officeDocument/2006/relationships" xmlns:p="http://schemas.openxmlformats.org/presentationml/2006/main">
-  <p:cSld>
-    <p:spTree>
-      <p:nvGrpSpPr>
-        <p:cNvPr id="1" name=""/>
-        <p:cNvGrpSpPr/>
-        <p:nvPr/>
-      </p:nvGrpSpPr>
-      <p:grpSpPr>
-        <a:xfrm>
-          <a:off x="0" y="0"/>
-          <a:ext cx="0" cy="0"/>
-          <a:chOff x="0" y="0"/>
-          <a:chExt cx="0" cy="0"/>
-        </a:xfrm>
-      </p:grpSpPr>
-      <p:sp>
-        <p:nvSpPr>
-          <p:cNvPr id="2" name="Cím 1"/>
-          <p:cNvSpPr>
-            <a:spLocks noGrp="1"/>
-          </p:cNvSpPr>
-          <p:nvPr>
-            <p:ph type="title"/>
-          </p:nvPr>
-        </p:nvSpPr>
-        <p:spPr>
-          <a:xfrm>
-            <a:off x="599467" y="536492"/>
-            <a:ext cx="7886700" cy="994172"/>
-          </a:xfrm>
-        </p:spPr>
-        <p:txBody>
-          <a:bodyPr/>
-          <a:lstStyle/>
-          <a:p>
-            <a:r>
-              <a:rPr lang="hu-HU" dirty="0" smtClean="0"/>
-              <a:t>Fejlesztési ötletek</a:t>
-            </a:r>
-            <a:endParaRPr lang="hu-HU" dirty="0"/>
-          </a:p>
-        </p:txBody>
-      </p:sp>
-      <p:sp>
-        <p:nvSpPr>
-          <p:cNvPr id="3" name="Tartalom helye 2"/>
-          <p:cNvSpPr>
-            <a:spLocks noGrp="1"/>
-          </p:cNvSpPr>
-          <p:nvPr>
-            <p:ph idx="1"/>
-          </p:nvPr>
-        </p:nvSpPr>
-        <p:spPr/>
-        <p:txBody>
-          <a:bodyPr/>
-          <a:lstStyle/>
-          <a:p>
-            <a:r>
-              <a:rPr lang="hu-HU" dirty="0" smtClean="0"/>
-              <a:t>A naptárba az eseményekhez képfeltöltés</a:t>
-            </a:r>
-          </a:p>
-          <a:p>
-            <a:r>
-              <a:rPr lang="hu-HU" dirty="0" smtClean="0"/>
-              <a:t>Az </a:t>
-            </a:r>
-            <a:r>
-              <a:rPr lang="hu-HU" dirty="0" smtClean="0"/>
-              <a:t>eseményekhez </a:t>
-            </a:r>
-            <a:r>
-              <a:rPr lang="hu-HU" dirty="0" smtClean="0"/>
-              <a:t>emlékeztető </a:t>
-            </a:r>
-            <a:r>
-              <a:rPr lang="hu-HU" dirty="0" smtClean="0"/>
-              <a:t>e-mail</a:t>
-            </a:r>
-          </a:p>
-          <a:p>
-            <a:r>
-              <a:rPr lang="hu-HU" dirty="0" smtClean="0"/>
-              <a:t>Egy profilkép vagy borítókép a zenekarról</a:t>
-            </a:r>
-            <a:endParaRPr lang="hu-HU" dirty="0" smtClean="0"/>
-          </a:p>
-          <a:p>
-            <a:endParaRPr lang="hu-HU" dirty="0"/>
-          </a:p>
-        </p:txBody>
-      </p:sp>
-    </p:spTree>
-  </p:cSld>
-  <p:clrMapOvr>
-    <a:masterClrMapping/>
-  </p:clrMapOvr>
-</p:sld>
-</file>
-
-<file path=ppt/slides/slide8.xml><?xml version="1.0" encoding="utf-8"?>
 <p:sld xmlns:a="http://schemas.openxmlformats.org/drawingml/2006/main" xmlns:r="http://schemas.openxmlformats.org/officeDocument/2006/relationships" xmlns:p="http://schemas.openxmlformats.org/presentationml/2006/main">
   <p:cSld>
     <p:bg>
@@ -5090,7 +4966,7 @@
     </p:spTree>
     <p:extLst>
       <p:ext uri="{BB962C8B-B14F-4D97-AF65-F5344CB8AC3E}">
-        <p14:creationId xmlns="" xmlns:p14="http://schemas.microsoft.com/office/powerpoint/2010/main" val="3541323241"/>
+        <p14:creationId xmlns:p14="http://schemas.microsoft.com/office/powerpoint/2010/main" xmlns="" val="3541323241"/>
       </p:ext>
     </p:extLst>
   </p:cSld>
@@ -5362,7 +5238,7 @@
   <a:extraClrSchemeLst/>
   <a:extLst>
     <a:ext uri="{05A4C25C-085E-4340-85A3-A5531E510DB2}">
-      <thm15:themeFamily xmlns:thm15="http://schemas.microsoft.com/office/thememl/2012/main" xmlns="" name="Office Theme" id="{62F939B6-93AF-4DB8-9C6B-D6C7DFDC589F}" vid="{4A3C46E8-61CC-4603-A589-7422A47A8E4A}"/>
+      <thm15:themeFamily xmlns="" xmlns:thm15="http://schemas.microsoft.com/office/thememl/2012/main" name="Office Theme" id="{62F939B6-93AF-4DB8-9C6B-D6C7DFDC589F}" vid="{4A3C46E8-61CC-4603-A589-7422A47A8E4A}"/>
     </a:ext>
   </a:extLst>
 </a:theme>
@@ -5652,6 +5528,21 @@
 </file>
 
 <file path=customXml/item1.xml><?xml version="1.0" encoding="utf-8"?>
+<p:properties xmlns:p="http://schemas.microsoft.com/office/2006/metadata/properties" xmlns:xsi="http://www.w3.org/2001/XMLSchema-instance" xmlns:pc="http://schemas.microsoft.com/office/infopath/2007/PartnerControls">
+  <documentManagement/>
+</p:properties>
+</file>
+
+<file path=customXml/item2.xml><?xml version="1.0" encoding="utf-8"?>
+<?mso-contentType ?>
+<FormTemplates xmlns="http://schemas.microsoft.com/sharepoint/v3/contenttype/forms">
+  <Display>DocumentLibraryForm</Display>
+  <Edit>DocumentLibraryForm</Edit>
+  <New>DocumentLibraryForm</New>
+</FormTemplates>
+</file>
+
+<file path=customXml/item3.xml><?xml version="1.0" encoding="utf-8"?>
 <ct:contentTypeSchema xmlns:ct="http://schemas.microsoft.com/office/2006/metadata/contentType" xmlns:ma="http://schemas.microsoft.com/office/2006/metadata/properties/metaAttributes" ct:_="" ma:_="" ma:contentTypeName="Dokumentum" ma:contentTypeID="0x010100AC862C676857C24E8FC2D32B30708833" ma:contentTypeVersion="2" ma:contentTypeDescription="Új dokumentum létrehozása." ma:contentTypeScope="" ma:versionID="0d2981163f66270cf1daba8c3c407cc5">
   <xsd:schema xmlns:xsd="http://www.w3.org/2001/XMLSchema" xmlns:xs="http://www.w3.org/2001/XMLSchema" xmlns:p="http://schemas.microsoft.com/office/2006/metadata/properties" xmlns:ns2="9a324a02-be43-499b-8089-7896e70993e7" targetNamespace="http://schemas.microsoft.com/office/2006/metadata/properties" ma:root="true" ma:fieldsID="4ce273e9ed9981a51826152e27a7d1ee" ns2:_="">
     <xsd:import namespace="9a324a02-be43-499b-8089-7896e70993e7"/>
@@ -5799,22 +5690,24 @@
 </ct:contentTypeSchema>
 </file>
 
-<file path=customXml/item2.xml><?xml version="1.0" encoding="utf-8"?>
-<?mso-contentType ?>
-<FormTemplates xmlns="http://schemas.microsoft.com/sharepoint/v3/contenttype/forms">
-  <Display>DocumentLibraryForm</Display>
-  <Edit>DocumentLibraryForm</Edit>
-  <New>DocumentLibraryForm</New>
-</FormTemplates>
+<file path=customXml/itemProps1.xml><?xml version="1.0" encoding="utf-8"?>
+<ds:datastoreItem xmlns:ds="http://schemas.openxmlformats.org/officeDocument/2006/customXml" ds:itemID="{8E1455B4-EFFE-4AEE-ADC2-FE51D16F6234}">
+  <ds:schemaRefs>
+    <ds:schemaRef ds:uri="http://schemas.microsoft.com/office/2006/metadata/properties"/>
+    <ds:schemaRef ds:uri="http://schemas.microsoft.com/office/infopath/2007/PartnerControls"/>
+  </ds:schemaRefs>
+</ds:datastoreItem>
 </file>
 
-<file path=customXml/item3.xml><?xml version="1.0" encoding="utf-8"?>
-<p:properties xmlns:p="http://schemas.microsoft.com/office/2006/metadata/properties" xmlns:xsi="http://www.w3.org/2001/XMLSchema-instance" xmlns:pc="http://schemas.microsoft.com/office/infopath/2007/PartnerControls">
-  <documentManagement/>
-</p:properties>
+<file path=customXml/itemProps2.xml><?xml version="1.0" encoding="utf-8"?>
+<ds:datastoreItem xmlns:ds="http://schemas.openxmlformats.org/officeDocument/2006/customXml" ds:itemID="{166AD069-051C-46FD-A0CD-BDE143FEA57D}">
+  <ds:schemaRefs>
+    <ds:schemaRef ds:uri="http://schemas.microsoft.com/sharepoint/v3/contenttype/forms"/>
+  </ds:schemaRefs>
+</ds:datastoreItem>
 </file>
 
-<file path=customXml/itemProps1.xml><?xml version="1.0" encoding="utf-8"?>
+<file path=customXml/itemProps3.xml><?xml version="1.0" encoding="utf-8"?>
 <ds:datastoreItem xmlns:ds="http://schemas.openxmlformats.org/officeDocument/2006/customXml" ds:itemID="{37D0467E-9D91-4319-91FD-90E168EBF15D}">
   <ds:schemaRefs>
     <ds:schemaRef ds:uri="http://schemas.microsoft.com/office/2006/metadata/contentType"/>
@@ -5830,21 +5723,4 @@
     <ds:schemaRef ds:uri="http://schemas.microsoft.com/internal/obd"/>
   </ds:schemaRefs>
 </ds:datastoreItem>
-</file>
-
-<file path=customXml/itemProps2.xml><?xml version="1.0" encoding="utf-8"?>
-<ds:datastoreItem xmlns:ds="http://schemas.openxmlformats.org/officeDocument/2006/customXml" ds:itemID="{166AD069-051C-46FD-A0CD-BDE143FEA57D}">
-  <ds:schemaRefs>
-    <ds:schemaRef ds:uri="http://schemas.microsoft.com/sharepoint/v3/contenttype/forms"/>
-  </ds:schemaRefs>
-</ds:datastoreItem>
-</file>
-
-<file path=customXml/itemProps3.xml><?xml version="1.0" encoding="utf-8"?>
-<ds:datastoreItem xmlns:ds="http://schemas.openxmlformats.org/officeDocument/2006/customXml" ds:itemID="{8E1455B4-EFFE-4AEE-ADC2-FE51D16F6234}">
-  <ds:schemaRefs>
-    <ds:schemaRef ds:uri="http://schemas.microsoft.com/office/2006/metadata/properties"/>
-    <ds:schemaRef ds:uri="http://schemas.microsoft.com/office/infopath/2007/PartnerControls"/>
-  </ds:schemaRefs>
-</ds:datastoreItem>
 </file>